--- a/Презентация.pptx
+++ b/Презентация.pptx
@@ -265,7 +265,7 @@
           <a:p>
             <a:fld id="{CD2D6088-4FE1-7B41-815D-FA03347145A3}" type="datetimeFigureOut">
               <a:rPr lang="en-UA" smtClean="0"/>
-              <a:t>06/16/2024</a:t>
+              <a:t>06/17/2024</a:t>
             </a:fld>
             <a:endParaRPr lang="en-UA"/>
           </a:p>
@@ -495,7 +495,7 @@
           <a:p>
             <a:fld id="{CD2D6088-4FE1-7B41-815D-FA03347145A3}" type="datetimeFigureOut">
               <a:rPr lang="en-UA" smtClean="0"/>
-              <a:t>06/16/2024</a:t>
+              <a:t>06/17/2024</a:t>
             </a:fld>
             <a:endParaRPr lang="en-UA"/>
           </a:p>
@@ -705,7 +705,7 @@
           <a:p>
             <a:fld id="{CD2D6088-4FE1-7B41-815D-FA03347145A3}" type="datetimeFigureOut">
               <a:rPr lang="en-UA" smtClean="0"/>
-              <a:t>06/16/2024</a:t>
+              <a:t>06/17/2024</a:t>
             </a:fld>
             <a:endParaRPr lang="en-UA"/>
           </a:p>
@@ -905,7 +905,7 @@
           <a:p>
             <a:fld id="{CD2D6088-4FE1-7B41-815D-FA03347145A3}" type="datetimeFigureOut">
               <a:rPr lang="en-UA" smtClean="0"/>
-              <a:t>06/16/2024</a:t>
+              <a:t>06/17/2024</a:t>
             </a:fld>
             <a:endParaRPr lang="en-UA"/>
           </a:p>
@@ -1181,7 +1181,7 @@
           <a:p>
             <a:fld id="{CD2D6088-4FE1-7B41-815D-FA03347145A3}" type="datetimeFigureOut">
               <a:rPr lang="en-UA" smtClean="0"/>
-              <a:t>06/16/2024</a:t>
+              <a:t>06/17/2024</a:t>
             </a:fld>
             <a:endParaRPr lang="en-UA"/>
           </a:p>
@@ -1449,7 +1449,7 @@
           <a:p>
             <a:fld id="{CD2D6088-4FE1-7B41-815D-FA03347145A3}" type="datetimeFigureOut">
               <a:rPr lang="en-UA" smtClean="0"/>
-              <a:t>06/16/2024</a:t>
+              <a:t>06/17/2024</a:t>
             </a:fld>
             <a:endParaRPr lang="en-UA"/>
           </a:p>
@@ -1864,7 +1864,7 @@
           <a:p>
             <a:fld id="{CD2D6088-4FE1-7B41-815D-FA03347145A3}" type="datetimeFigureOut">
               <a:rPr lang="en-UA" smtClean="0"/>
-              <a:t>06/16/2024</a:t>
+              <a:t>06/17/2024</a:t>
             </a:fld>
             <a:endParaRPr lang="en-UA"/>
           </a:p>
@@ -2006,7 +2006,7 @@
           <a:p>
             <a:fld id="{CD2D6088-4FE1-7B41-815D-FA03347145A3}" type="datetimeFigureOut">
               <a:rPr lang="en-UA" smtClean="0"/>
-              <a:t>06/16/2024</a:t>
+              <a:t>06/17/2024</a:t>
             </a:fld>
             <a:endParaRPr lang="en-UA"/>
           </a:p>
@@ -2119,7 +2119,7 @@
           <a:p>
             <a:fld id="{CD2D6088-4FE1-7B41-815D-FA03347145A3}" type="datetimeFigureOut">
               <a:rPr lang="en-UA" smtClean="0"/>
-              <a:t>06/16/2024</a:t>
+              <a:t>06/17/2024</a:t>
             </a:fld>
             <a:endParaRPr lang="en-UA"/>
           </a:p>
@@ -2432,7 +2432,7 @@
           <a:p>
             <a:fld id="{CD2D6088-4FE1-7B41-815D-FA03347145A3}" type="datetimeFigureOut">
               <a:rPr lang="en-UA" smtClean="0"/>
-              <a:t>06/16/2024</a:t>
+              <a:t>06/17/2024</a:t>
             </a:fld>
             <a:endParaRPr lang="en-UA"/>
           </a:p>
@@ -2721,7 +2721,7 @@
           <a:p>
             <a:fld id="{CD2D6088-4FE1-7B41-815D-FA03347145A3}" type="datetimeFigureOut">
               <a:rPr lang="en-UA" smtClean="0"/>
-              <a:t>06/16/2024</a:t>
+              <a:t>06/17/2024</a:t>
             </a:fld>
             <a:endParaRPr lang="en-UA"/>
           </a:p>
@@ -2964,7 +2964,7 @@
           <a:p>
             <a:fld id="{CD2D6088-4FE1-7B41-815D-FA03347145A3}" type="datetimeFigureOut">
               <a:rPr lang="en-UA" smtClean="0"/>
-              <a:t>06/16/2024</a:t>
+              <a:t>06/17/2024</a:t>
             </a:fld>
             <a:endParaRPr lang="en-UA"/>
           </a:p>
@@ -3663,7 +3663,7 @@
                 <a:ea typeface="Calibri" panose="020F0502020204030204" pitchFamily="34" charset="0"/>
                 <a:cs typeface="Times New Roman" panose="02020603050405020304" pitchFamily="18" charset="0"/>
               </a:rPr>
-              <a:t>???</a:t>
+              <a:t>спортивный клуб «Баринова роща» знает каждый житель нашего города. Но чтобы быть в курсе спортивных событий и иметь возможность удобной регистрации, нужно было создать сайт, который позволял бы делать это в доступной форме.</a:t>
             </a:r>
             <a:endParaRPr lang="ru-RU" sz="2400" dirty="0"/>
           </a:p>
@@ -4726,7 +4726,7 @@
                   </a:schemeClr>
                 </a:solidFill>
               </a:rPr>
-              <a:t>3) ??</a:t>
+              <a:t>3) Добавить возможность меня фотографии на главной странице(для админа)</a:t>
             </a:r>
           </a:p>
           <a:p>

--- a/Презентация.pptx
+++ b/Презентация.pptx
@@ -265,7 +265,7 @@
           <a:p>
             <a:fld id="{CD2D6088-4FE1-7B41-815D-FA03347145A3}" type="datetimeFigureOut">
               <a:rPr lang="en-UA" smtClean="0"/>
-              <a:t>06/17/2024</a:t>
+              <a:t>06/23/2024</a:t>
             </a:fld>
             <a:endParaRPr lang="en-UA"/>
           </a:p>
@@ -495,7 +495,7 @@
           <a:p>
             <a:fld id="{CD2D6088-4FE1-7B41-815D-FA03347145A3}" type="datetimeFigureOut">
               <a:rPr lang="en-UA" smtClean="0"/>
-              <a:t>06/17/2024</a:t>
+              <a:t>06/23/2024</a:t>
             </a:fld>
             <a:endParaRPr lang="en-UA"/>
           </a:p>
@@ -705,7 +705,7 @@
           <a:p>
             <a:fld id="{CD2D6088-4FE1-7B41-815D-FA03347145A3}" type="datetimeFigureOut">
               <a:rPr lang="en-UA" smtClean="0"/>
-              <a:t>06/17/2024</a:t>
+              <a:t>06/23/2024</a:t>
             </a:fld>
             <a:endParaRPr lang="en-UA"/>
           </a:p>
@@ -905,7 +905,7 @@
           <a:p>
             <a:fld id="{CD2D6088-4FE1-7B41-815D-FA03347145A3}" type="datetimeFigureOut">
               <a:rPr lang="en-UA" smtClean="0"/>
-              <a:t>06/17/2024</a:t>
+              <a:t>06/23/2024</a:t>
             </a:fld>
             <a:endParaRPr lang="en-UA"/>
           </a:p>
@@ -1181,7 +1181,7 @@
           <a:p>
             <a:fld id="{CD2D6088-4FE1-7B41-815D-FA03347145A3}" type="datetimeFigureOut">
               <a:rPr lang="en-UA" smtClean="0"/>
-              <a:t>06/17/2024</a:t>
+              <a:t>06/23/2024</a:t>
             </a:fld>
             <a:endParaRPr lang="en-UA"/>
           </a:p>
@@ -1449,7 +1449,7 @@
           <a:p>
             <a:fld id="{CD2D6088-4FE1-7B41-815D-FA03347145A3}" type="datetimeFigureOut">
               <a:rPr lang="en-UA" smtClean="0"/>
-              <a:t>06/17/2024</a:t>
+              <a:t>06/23/2024</a:t>
             </a:fld>
             <a:endParaRPr lang="en-UA"/>
           </a:p>
@@ -1864,7 +1864,7 @@
           <a:p>
             <a:fld id="{CD2D6088-4FE1-7B41-815D-FA03347145A3}" type="datetimeFigureOut">
               <a:rPr lang="en-UA" smtClean="0"/>
-              <a:t>06/17/2024</a:t>
+              <a:t>06/23/2024</a:t>
             </a:fld>
             <a:endParaRPr lang="en-UA"/>
           </a:p>
@@ -2006,7 +2006,7 @@
           <a:p>
             <a:fld id="{CD2D6088-4FE1-7B41-815D-FA03347145A3}" type="datetimeFigureOut">
               <a:rPr lang="en-UA" smtClean="0"/>
-              <a:t>06/17/2024</a:t>
+              <a:t>06/23/2024</a:t>
             </a:fld>
             <a:endParaRPr lang="en-UA"/>
           </a:p>
@@ -2119,7 +2119,7 @@
           <a:p>
             <a:fld id="{CD2D6088-4FE1-7B41-815D-FA03347145A3}" type="datetimeFigureOut">
               <a:rPr lang="en-UA" smtClean="0"/>
-              <a:t>06/17/2024</a:t>
+              <a:t>06/23/2024</a:t>
             </a:fld>
             <a:endParaRPr lang="en-UA"/>
           </a:p>
@@ -2432,7 +2432,7 @@
           <a:p>
             <a:fld id="{CD2D6088-4FE1-7B41-815D-FA03347145A3}" type="datetimeFigureOut">
               <a:rPr lang="en-UA" smtClean="0"/>
-              <a:t>06/17/2024</a:t>
+              <a:t>06/23/2024</a:t>
             </a:fld>
             <a:endParaRPr lang="en-UA"/>
           </a:p>
@@ -2721,7 +2721,7 @@
           <a:p>
             <a:fld id="{CD2D6088-4FE1-7B41-815D-FA03347145A3}" type="datetimeFigureOut">
               <a:rPr lang="en-UA" smtClean="0"/>
-              <a:t>06/17/2024</a:t>
+              <a:t>06/23/2024</a:t>
             </a:fld>
             <a:endParaRPr lang="en-UA"/>
           </a:p>
@@ -2964,7 +2964,7 @@
           <a:p>
             <a:fld id="{CD2D6088-4FE1-7B41-815D-FA03347145A3}" type="datetimeFigureOut">
               <a:rPr lang="en-UA" smtClean="0"/>
-              <a:t>06/17/2024</a:t>
+              <a:t>06/23/2024</a:t>
             </a:fld>
             <a:endParaRPr lang="en-UA"/>
           </a:p>
@@ -3483,24 +3483,35 @@
             <a:r>
               <a:rPr lang="ru-RU" b="0" i="0" dirty="0" err="1">
                 <a:solidFill>
-                  <a:srgbClr val="353535"/>
+                  <a:schemeClr val="tx1">
+                    <a:lumMod val="95000"/>
+                    <a:lumOff val="5000"/>
+                  </a:schemeClr>
                 </a:solidFill>
                 <a:effectLst/>
-                <a:latin typeface="arial" panose="020B0604020202020204" pitchFamily="34" charset="0"/>
               </a:rPr>
               <a:t>Макарцев</a:t>
             </a:r>
             <a:r>
               <a:rPr lang="ru-RU" b="0" i="0" dirty="0">
                 <a:solidFill>
-                  <a:srgbClr val="353535"/>
+                  <a:schemeClr val="tx1">
+                    <a:lumMod val="95000"/>
+                    <a:lumOff val="5000"/>
+                  </a:schemeClr>
                 </a:solidFill>
                 <a:effectLst/>
-                <a:latin typeface="arial" panose="020B0604020202020204" pitchFamily="34" charset="0"/>
               </a:rPr>
               <a:t> Арсений Андреевич</a:t>
             </a:r>
-            <a:endParaRPr lang="en-UA" dirty="0"/>
+            <a:endParaRPr lang="en-UA" dirty="0">
+              <a:solidFill>
+                <a:schemeClr val="tx1">
+                  <a:lumMod val="95000"/>
+                  <a:lumOff val="5000"/>
+                </a:schemeClr>
+              </a:solidFill>
+            </a:endParaRPr>
           </a:p>
         </p:txBody>
       </p:sp>
@@ -3638,17 +3649,20 @@
                 <a:ea typeface="Calibri" panose="020F0502020204030204" pitchFamily="34" charset="0"/>
                 <a:cs typeface="Times New Roman" panose="02020603050405020304" pitchFamily="18" charset="0"/>
               </a:rPr>
-              <a:t> с</a:t>
-            </a:r>
-            <a:r>
-              <a:rPr lang="ru-RU" sz="2400" dirty="0"/>
-              <a:t>оздать сайт, который отображает соревнования, дать возможность регистрации и просмотров результатов. Ближе познакомить людей с нашим спортивным клубом.</a:t>
-            </a:r>
-            <a:endParaRPr lang="ru-RU" sz="2400" dirty="0">
-              <a:effectLst/>
-              <a:ea typeface="Calibri" panose="020F0502020204030204" pitchFamily="34" charset="0"/>
-              <a:cs typeface="Times New Roman" panose="02020603050405020304" pitchFamily="18" charset="0"/>
-            </a:endParaRPr>
+              <a:t> </a:t>
+            </a:r>
+            <a:r>
+              <a:rPr lang="ru-RU" sz="2400" b="0" i="0" dirty="0">
+                <a:solidFill>
+                  <a:schemeClr val="tx1">
+                    <a:lumMod val="95000"/>
+                    <a:lumOff val="5000"/>
+                  </a:schemeClr>
+                </a:solidFill>
+                <a:effectLst/>
+              </a:rPr>
+              <a:t>создать информационный ресурс спортивного клуба, дать возможность пользователям регистрироваться на мероприятия и просматривать результаты прошедших соревнований. </a:t>
+            </a:r>
           </a:p>
           <a:p>
             <a:r>
@@ -3916,36 +3930,6 @@
               <a:t>.</a:t>
             </a:r>
             <a:endParaRPr lang="ru-RU" sz="2000" b="1" dirty="0"/>
-          </a:p>
-          <a:p>
-            <a:pPr marL="0" lvl="0" indent="0" algn="l" rtl="0">
-              <a:spcBef>
-                <a:spcPts val="0"/>
-              </a:spcBef>
-              <a:spcAft>
-                <a:spcPts val="0"/>
-              </a:spcAft>
-              <a:buClr>
-                <a:srgbClr val="273D40"/>
-              </a:buClr>
-              <a:buSzPts val="600"/>
-              <a:buFont typeface="Arial"/>
-              <a:buNone/>
-            </a:pPr>
-            <a:r>
-              <a:rPr lang="ru-RU" sz="2000" dirty="0"/>
-              <a:t>В дизайне сайта присутствуют компоненты с платформы </a:t>
-            </a:r>
-            <a:r>
-              <a:rPr lang="en-US" sz="2000" b="1" i="0" dirty="0">
-                <a:effectLst/>
-              </a:rPr>
-              <a:t>Bootstrap</a:t>
-            </a:r>
-            <a:r>
-              <a:rPr lang="ru-RU" sz="2000" b="1" dirty="0"/>
-              <a:t>.</a:t>
-            </a:r>
           </a:p>
           <a:p>
             <a:pPr marL="0" lvl="0" indent="0" algn="l" rtl="0">
@@ -4260,7 +4244,7 @@
                   </a:schemeClr>
                 </a:solidFill>
               </a:rPr>
-              <a:t> бот, который поможет в тренировках и ближе познакомит со спортивном клубом. Написан с использованием </a:t>
+              <a:t> бот, который поможет в тренировках и ближе познакомит со спортивным клубом. Написан с использованием </a:t>
             </a:r>
             <a:r>
               <a:rPr lang="ru-RU" sz="2400" b="1" i="0" dirty="0" err="1">
@@ -4332,7 +4316,7 @@
                 </a:solidFill>
                 <a:effectLst/>
               </a:rPr>
-              <a:t>обертка в виде библиотеки </a:t>
+              <a:t>обертки в виде библиотеки </a:t>
             </a:r>
             <a:r>
               <a:rPr lang="ru-RU" sz="2400" b="0" i="0" dirty="0" err="1">
@@ -4616,7 +4600,7 @@
                   </a:schemeClr>
                 </a:solidFill>
               </a:rPr>
-              <a:t>Продолжили работать базой данных и созданием чат-ботов. </a:t>
+              <a:t>Продолжили работать с базой данных и созданием чат-ботов. </a:t>
             </a:r>
           </a:p>
           <a:p>
@@ -4664,7 +4648,7 @@
             </a:r>
           </a:p>
           <a:p>
-            <a:pPr marL="0" lvl="0" indent="0" algn="ctr" rtl="0">
+            <a:pPr marL="0" lvl="0" indent="0" rtl="0">
               <a:spcBef>
                 <a:spcPts val="0"/>
               </a:spcBef>
@@ -4686,7 +4670,7 @@
             </a:r>
           </a:p>
           <a:p>
-            <a:pPr marL="0" lvl="0" indent="0" algn="ctr" rtl="0">
+            <a:pPr marL="0" lvl="0" indent="0" rtl="0">
               <a:spcBef>
                 <a:spcPts val="0"/>
               </a:spcBef>
@@ -4708,7 +4692,7 @@
             </a:r>
           </a:p>
           <a:p>
-            <a:pPr marL="0" lvl="0" indent="0" algn="ctr" rtl="0">
+            <a:pPr marL="0" lvl="0" indent="0" rtl="0">
               <a:spcBef>
                 <a:spcPts val="0"/>
               </a:spcBef>
@@ -4726,7 +4710,7 @@
                   </a:schemeClr>
                 </a:solidFill>
               </a:rPr>
-              <a:t>3) Добавить возможность меня фотографии на главной странице(для админа)</a:t>
+              <a:t>3) Добавить возможность изменять фотографии на главной странице(для админа)</a:t>
             </a:r>
           </a:p>
           <a:p>
